--- a/day5/explainable_data_science [Reparado].pptx
+++ b/day5/explainable_data_science [Reparado].pptx
@@ -15,15 +15,14 @@
     <p:sldId id="263" r:id="rId9"/>
     <p:sldId id="264" r:id="rId10"/>
     <p:sldId id="265" r:id="rId11"/>
-    <p:sldId id="266" r:id="rId12"/>
-    <p:sldId id="267" r:id="rId13"/>
-    <p:sldId id="268" r:id="rId14"/>
-    <p:sldId id="269" r:id="rId15"/>
-    <p:sldId id="270" r:id="rId16"/>
-    <p:sldId id="271" r:id="rId17"/>
-    <p:sldId id="272" r:id="rId18"/>
-    <p:sldId id="273" r:id="rId19"/>
-    <p:sldId id="274" r:id="rId20"/>
+    <p:sldId id="267" r:id="rId12"/>
+    <p:sldId id="268" r:id="rId13"/>
+    <p:sldId id="269" r:id="rId14"/>
+    <p:sldId id="270" r:id="rId15"/>
+    <p:sldId id="271" r:id="rId16"/>
+    <p:sldId id="272" r:id="rId17"/>
+    <p:sldId id="273" r:id="rId18"/>
+    <p:sldId id="274" r:id="rId19"/>
   </p:sldIdLst>
   <p:sldSz cx="12192000" cy="6858000"/>
   <p:notesSz cx="7559675" cy="10691813"/>
@@ -4037,10 +4036,17 @@
     <mc:Choice Requires="p14">
       <p:transition spd="slow" p14:dur="2000"/>
     </mc:Choice>
-    <mc:Fallback xmlns:p15="http://schemas.microsoft.com/office/powerpoint/2012/main" xmlns="">
+    <mc:Fallback xmlns="" xmlns:p15="http://schemas.microsoft.com/office/powerpoint/2012/main">
       <p:transition spd="slow"/>
     </mc:Fallback>
   </mc:AlternateContent>
+  <p:timing>
+    <p:tnLst>
+      <p:par>
+        <p:cTn id="1" dur="indefinite" restart="never" nodeType="tmRoot"/>
+      </p:par>
+    </p:tnLst>
+  </p:timing>
 </p:sld>
 </file>
 
@@ -4063,7 +4069,7 @@
       </p:grpSpPr>
       <p:sp>
         <p:nvSpPr>
-          <p:cNvPr id="113" name="CustomShape 1"/>
+          <p:cNvPr id="116" name="CustomShape 1"/>
           <p:cNvSpPr/>
           <p:nvPr/>
         </p:nvSpPr>
@@ -4101,7 +4107,7 @@
       </p:sp>
       <p:sp>
         <p:nvSpPr>
-          <p:cNvPr id="114" name="CustomShape 2"/>
+          <p:cNvPr id="117" name="CustomShape 2"/>
           <p:cNvSpPr/>
           <p:nvPr/>
         </p:nvSpPr>
@@ -4149,427 +4155,6 @@
                 <a:latin typeface="Seaford"/>
                 <a:ea typeface="Seaford"/>
               </a:rPr>
-              <a:t>Why?</a:t>
-            </a:r>
-            <a:endParaRPr lang="en-US" sz="3600" b="0" strike="noStrike" spc="-1">
-              <a:latin typeface="Arial"/>
-            </a:endParaRPr>
-          </a:p>
-        </p:txBody>
-      </p:sp>
-      <p:sp>
-        <p:nvSpPr>
-          <p:cNvPr id="115" name="TextShape 3"/>
-          <p:cNvSpPr txBox="1"/>
-          <p:nvPr/>
-        </p:nvSpPr>
-        <p:spPr>
-          <a:xfrm>
-            <a:off x="504000" y="1656000"/>
-            <a:ext cx="11160000" cy="4392000"/>
-          </a:xfrm>
-          <a:prstGeom prst="rect">
-            <a:avLst/>
-          </a:prstGeom>
-          <a:noFill/>
-          <a:ln>
-            <a:noFill/>
-          </a:ln>
-        </p:spPr>
-        <p:txBody>
-          <a:bodyPr lIns="90000" tIns="45000" rIns="90000" bIns="45000">
-            <a:noAutofit/>
-          </a:bodyPr>
-          <a:lstStyle/>
-          <a:p>
-            <a:pPr marL="216000" indent="-216000">
-              <a:buClr>
-                <a:srgbClr val="000000"/>
-              </a:buClr>
-              <a:buSzPct val="90000"/>
-              <a:buFont typeface="Wingdings" charset="2"/>
-              <a:buChar char=""/>
-            </a:pPr>
-            <a:r>
-              <a:rPr lang="en-US" sz="1800" b="0" strike="noStrike" spc="-1">
-                <a:latin typeface="Arial"/>
-              </a:rPr>
-              <a:t>If you can ensure that the machine learning model can explain decisions, you can also check the following traits more easily:</a:t>
-            </a:r>
-          </a:p>
-          <a:p>
-            <a:pPr marL="216000" indent="-216000">
-              <a:buClr>
-                <a:srgbClr val="000000"/>
-              </a:buClr>
-              <a:buSzPct val="90000"/>
-              <a:buFont typeface="Wingdings" charset="2"/>
-              <a:buChar char=""/>
-            </a:pPr>
-            <a:endParaRPr lang="en-US" sz="1800" b="0" strike="noStrike" spc="-1">
-              <a:latin typeface="Arial"/>
-            </a:endParaRPr>
-          </a:p>
-          <a:p>
-            <a:pPr marL="432000" lvl="1" indent="-216000">
-              <a:buClr>
-                <a:srgbClr val="000000"/>
-              </a:buClr>
-              <a:buSzPct val="45000"/>
-              <a:buFont typeface="Wingdings" charset="2"/>
-              <a:buChar char=""/>
-            </a:pPr>
-            <a:r>
-              <a:rPr lang="en-US" sz="1800" b="0" strike="noStrike" spc="-1">
-                <a:latin typeface="Arial"/>
-              </a:rPr>
-              <a:t>• </a:t>
-            </a:r>
-            <a:r>
-              <a:rPr lang="en-US" sz="1800" b="1" strike="noStrike" spc="-1">
-                <a:latin typeface="Arial"/>
-              </a:rPr>
-              <a:t>Fairness:</a:t>
-            </a:r>
-            <a:r>
-              <a:rPr lang="en-US" sz="1800" b="0" strike="noStrike" spc="-1">
-                <a:latin typeface="Arial"/>
-              </a:rPr>
-              <a:t> Ensuring that</a:t>
-            </a:r>
-            <a:r>
-              <a:rPr lang="en-US" sz="1800" b="1" strike="noStrike" spc="-1">
-                <a:latin typeface="Arial"/>
-              </a:rPr>
-              <a:t> predictions are unbiased</a:t>
-            </a:r>
-            <a:r>
-              <a:rPr lang="en-US" sz="1800" b="0" strike="noStrike" spc="-1">
-                <a:latin typeface="Arial"/>
-              </a:rPr>
-              <a:t> and do not implicitly or explicitly discriminate against protected groups. An interpretable model can tell you why it has decided that a certain person should not get a loan, and it becomes easier for a human to judge whether the decision is based on a learned demographic (e.g. racial) bias.</a:t>
-            </a:r>
-          </a:p>
-          <a:p>
-            <a:pPr marL="216000" indent="-216000">
-              <a:buClr>
-                <a:srgbClr val="000000"/>
-              </a:buClr>
-              <a:buSzPct val="90000"/>
-              <a:buFont typeface="Wingdings" charset="2"/>
-              <a:buChar char=""/>
-            </a:pPr>
-            <a:endParaRPr lang="en-US" sz="1800" b="0" strike="noStrike" spc="-1">
-              <a:latin typeface="Arial"/>
-            </a:endParaRPr>
-          </a:p>
-          <a:p>
-            <a:pPr marL="216000" indent="-216000">
-              <a:buClr>
-                <a:srgbClr val="000000"/>
-              </a:buClr>
-              <a:buSzPct val="90000"/>
-              <a:buFont typeface="Wingdings" charset="2"/>
-              <a:buChar char=""/>
-            </a:pPr>
-            <a:r>
-              <a:rPr lang="en-US" sz="1800" b="0" strike="noStrike" spc="-1">
-                <a:latin typeface="Arial"/>
-              </a:rPr>
-              <a:t>   • </a:t>
-            </a:r>
-            <a:r>
-              <a:rPr lang="en-US" sz="1800" b="1" strike="noStrike" spc="-1">
-                <a:latin typeface="Arial"/>
-              </a:rPr>
-              <a:t>Privacy:</a:t>
-            </a:r>
-            <a:r>
-              <a:rPr lang="en-US" sz="1800" b="0" strike="noStrike" spc="-1">
-                <a:latin typeface="Arial"/>
-              </a:rPr>
-              <a:t> Ensuring that sensitive information in the </a:t>
-            </a:r>
-            <a:r>
-              <a:rPr lang="en-US" sz="1800" b="1" strike="noStrike" spc="-1">
-                <a:latin typeface="Arial"/>
-              </a:rPr>
-              <a:t>data is protected.</a:t>
-            </a:r>
-            <a:endParaRPr lang="en-US" sz="1800" b="0" strike="noStrike" spc="-1">
-              <a:latin typeface="Arial"/>
-            </a:endParaRPr>
-          </a:p>
-          <a:p>
-            <a:pPr marL="432000" lvl="1" indent="-216000">
-              <a:buClr>
-                <a:srgbClr val="000000"/>
-              </a:buClr>
-              <a:buSzPct val="45000"/>
-              <a:buFont typeface="Wingdings" charset="2"/>
-              <a:buChar char=""/>
-            </a:pPr>
-            <a:endParaRPr lang="en-US" sz="1800" b="0" strike="noStrike" spc="-1">
-              <a:latin typeface="Arial"/>
-            </a:endParaRPr>
-          </a:p>
-          <a:p>
-            <a:pPr marL="432000" lvl="1" indent="-216000">
-              <a:buClr>
-                <a:srgbClr val="000000"/>
-              </a:buClr>
-              <a:buSzPct val="45000"/>
-              <a:buFont typeface="Wingdings" charset="2"/>
-              <a:buChar char=""/>
-            </a:pPr>
-            <a:r>
-              <a:rPr lang="en-US" sz="1800" b="0" strike="noStrike" spc="-1">
-                <a:latin typeface="Arial"/>
-              </a:rPr>
-              <a:t>• </a:t>
-            </a:r>
-            <a:r>
-              <a:rPr lang="en-US" sz="1800" b="1" strike="noStrike" spc="-1">
-                <a:latin typeface="Arial"/>
-              </a:rPr>
-              <a:t>Reliability or Robustness:</a:t>
-            </a:r>
-            <a:r>
-              <a:rPr lang="en-US" sz="1800" b="0" strike="noStrike" spc="-1">
-                <a:latin typeface="Arial"/>
-              </a:rPr>
-              <a:t> Ensuring that small changes in the input do not lead to large changes in the prediction.</a:t>
-            </a:r>
-          </a:p>
-          <a:p>
-            <a:pPr marL="432000" lvl="1" indent="-216000">
-              <a:buClr>
-                <a:srgbClr val="000000"/>
-              </a:buClr>
-              <a:buSzPct val="45000"/>
-              <a:buFont typeface="Wingdings" charset="2"/>
-              <a:buChar char=""/>
-            </a:pPr>
-            <a:endParaRPr lang="en-US" sz="1800" b="0" strike="noStrike" spc="-1">
-              <a:latin typeface="Arial"/>
-            </a:endParaRPr>
-          </a:p>
-          <a:p>
-            <a:pPr marL="216000" indent="-216000">
-              <a:buClr>
-                <a:srgbClr val="000000"/>
-              </a:buClr>
-              <a:buSzPct val="90000"/>
-              <a:buFont typeface="Wingdings" charset="2"/>
-              <a:buChar char=""/>
-            </a:pPr>
-            <a:r>
-              <a:rPr lang="en-US" sz="1800" b="0" strike="noStrike" spc="-1">
-                <a:latin typeface="Arial"/>
-              </a:rPr>
-              <a:t>   • </a:t>
-            </a:r>
-            <a:r>
-              <a:rPr lang="en-US" sz="1800" b="1" strike="noStrike" spc="-1">
-                <a:latin typeface="Arial"/>
-              </a:rPr>
-              <a:t>Causality:</a:t>
-            </a:r>
-            <a:r>
-              <a:rPr lang="en-US" sz="1800" b="0" strike="noStrike" spc="-1">
-                <a:latin typeface="Arial"/>
-              </a:rPr>
-              <a:t> Check that </a:t>
-            </a:r>
-            <a:r>
-              <a:rPr lang="en-US" sz="1800" b="1" strike="noStrike" spc="-1">
-                <a:latin typeface="Arial"/>
-              </a:rPr>
-              <a:t>only causal relationships</a:t>
-            </a:r>
-            <a:r>
-              <a:rPr lang="en-US" sz="1800" b="0" strike="noStrike" spc="-1">
-                <a:latin typeface="Arial"/>
-              </a:rPr>
-              <a:t> are picked up.</a:t>
-            </a:r>
-          </a:p>
-          <a:p>
-            <a:pPr marL="216000" indent="-216000">
-              <a:buClr>
-                <a:srgbClr val="000000"/>
-              </a:buClr>
-              <a:buSzPct val="90000"/>
-              <a:buFont typeface="Wingdings" charset="2"/>
-              <a:buChar char=""/>
-            </a:pPr>
-            <a:endParaRPr lang="en-US" sz="1800" b="0" strike="noStrike" spc="-1">
-              <a:latin typeface="Arial"/>
-            </a:endParaRPr>
-          </a:p>
-          <a:p>
-            <a:pPr marL="216000" indent="-216000">
-              <a:buClr>
-                <a:srgbClr val="000000"/>
-              </a:buClr>
-              <a:buSzPct val="90000"/>
-              <a:buFont typeface="Wingdings" charset="2"/>
-              <a:buChar char=""/>
-            </a:pPr>
-            <a:r>
-              <a:rPr lang="en-US" sz="1800" b="0" strike="noStrike" spc="-1">
-                <a:latin typeface="Arial"/>
-              </a:rPr>
-              <a:t>   • </a:t>
-            </a:r>
-            <a:r>
-              <a:rPr lang="en-US" sz="1800" b="1" strike="noStrike" spc="-1">
-                <a:latin typeface="Arial"/>
-              </a:rPr>
-              <a:t>Trust:</a:t>
-            </a:r>
-            <a:r>
-              <a:rPr lang="en-US" sz="1800" b="0" strike="noStrike" spc="-1">
-                <a:latin typeface="Arial"/>
-              </a:rPr>
-              <a:t> It is easier for humans to trust a system that </a:t>
-            </a:r>
-            <a:r>
-              <a:rPr lang="en-US" sz="1800" b="1" strike="noStrike" spc="-1">
-                <a:latin typeface="Arial"/>
-              </a:rPr>
-              <a:t>explains its decisions</a:t>
-            </a:r>
-            <a:r>
-              <a:rPr lang="en-US" sz="1800" b="0" strike="noStrike" spc="-1">
-                <a:latin typeface="Arial"/>
-              </a:rPr>
-              <a:t> compared to a black box.</a:t>
-            </a:r>
-          </a:p>
-        </p:txBody>
-      </p:sp>
-    </p:spTree>
-  </p:cSld>
-  <p:clrMapOvr>
-    <a:masterClrMapping/>
-  </p:clrMapOvr>
-  <mc:AlternateContent xmlns:mc="http://schemas.openxmlformats.org/markup-compatibility/2006" xmlns:p14="http://schemas.microsoft.com/office/powerpoint/2010/main">
-    <mc:Choice Requires="p14">
-      <p:transition spd="slow" p14:dur="2000"/>
-    </mc:Choice>
-    <mc:Fallback xmlns:p15="http://schemas.microsoft.com/office/powerpoint/2012/main" xmlns="">
-      <p:transition spd="slow"/>
-    </mc:Fallback>
-  </mc:AlternateContent>
-</p:sld>
-</file>
-
-<file path=ppt/slides/slide11.xml><?xml version="1.0" encoding="utf-8"?>
-<p:sld xmlns:a="http://schemas.openxmlformats.org/drawingml/2006/main" xmlns:r="http://schemas.openxmlformats.org/officeDocument/2006/relationships" xmlns:p="http://schemas.openxmlformats.org/presentationml/2006/main">
-  <p:cSld>
-    <p:spTree>
-      <p:nvGrpSpPr>
-        <p:cNvPr id="1" name=""/>
-        <p:cNvGrpSpPr/>
-        <p:nvPr/>
-      </p:nvGrpSpPr>
-      <p:grpSpPr>
-        <a:xfrm>
-          <a:off x="0" y="0"/>
-          <a:ext cx="0" cy="0"/>
-          <a:chOff x="0" y="0"/>
-          <a:chExt cx="0" cy="0"/>
-        </a:xfrm>
-      </p:grpSpPr>
-      <p:sp>
-        <p:nvSpPr>
-          <p:cNvPr id="116" name="CustomShape 1"/>
-          <p:cNvSpPr/>
-          <p:nvPr/>
-        </p:nvSpPr>
-        <p:spPr>
-          <a:xfrm>
-            <a:off x="485280" y="595440"/>
-            <a:ext cx="11168640" cy="681120"/>
-          </a:xfrm>
-          <a:prstGeom prst="rect">
-            <a:avLst/>
-          </a:prstGeom>
-          <a:solidFill>
-            <a:srgbClr val="00BAC8">
-              <a:alpha val="14000"/>
-            </a:srgbClr>
-          </a:solidFill>
-          <a:ln>
-            <a:noFill/>
-          </a:ln>
-        </p:spPr>
-        <p:style>
-          <a:lnRef idx="2">
-            <a:schemeClr val="accent1">
-              <a:shade val="50000"/>
-            </a:schemeClr>
-          </a:lnRef>
-          <a:fillRef idx="1">
-            <a:schemeClr val="accent1"/>
-          </a:fillRef>
-          <a:effectRef idx="0">
-            <a:schemeClr val="accent1"/>
-          </a:effectRef>
-          <a:fontRef idx="minor"/>
-        </p:style>
-      </p:sp>
-      <p:sp>
-        <p:nvSpPr>
-          <p:cNvPr id="117" name="CustomShape 2"/>
-          <p:cNvSpPr/>
-          <p:nvPr/>
-        </p:nvSpPr>
-        <p:spPr>
-          <a:xfrm>
-            <a:off x="482760" y="376920"/>
-            <a:ext cx="10633680" cy="1094400"/>
-          </a:xfrm>
-          <a:prstGeom prst="rect">
-            <a:avLst/>
-          </a:prstGeom>
-          <a:noFill/>
-          <a:ln>
-            <a:noFill/>
-          </a:ln>
-        </p:spPr>
-        <p:style>
-          <a:lnRef idx="0">
-            <a:scrgbClr r="0" g="0" b="0"/>
-          </a:lnRef>
-          <a:fillRef idx="0">
-            <a:scrgbClr r="0" g="0" b="0"/>
-          </a:fillRef>
-          <a:effectRef idx="0">
-            <a:scrgbClr r="0" g="0" b="0"/>
-          </a:effectRef>
-          <a:fontRef idx="minor"/>
-        </p:style>
-        <p:txBody>
-          <a:bodyPr lIns="90000" tIns="45000" rIns="90000" bIns="45000" anchor="ctr">
-            <a:noAutofit/>
-          </a:bodyPr>
-          <a:lstStyle/>
-          <a:p>
-            <a:pPr>
-              <a:lnSpc>
-                <a:spcPct val="100000"/>
-              </a:lnSpc>
-            </a:pPr>
-            <a:r>
-              <a:rPr lang="en-US" sz="3600" b="0" strike="noStrike" spc="-1">
-                <a:solidFill>
-                  <a:srgbClr val="000000"/>
-                </a:solidFill>
-                <a:latin typeface="Seaford"/>
-                <a:ea typeface="Seaford"/>
-              </a:rPr>
               <a:t>All the models need to be explained?</a:t>
             </a:r>
             <a:endParaRPr lang="en-US" sz="3600" b="0" strike="noStrike" spc="-1">
@@ -4762,14 +4347,21 @@
     <mc:Choice Requires="p14">
       <p:transition spd="slow" p14:dur="2000"/>
     </mc:Choice>
-    <mc:Fallback xmlns:p15="http://schemas.microsoft.com/office/powerpoint/2012/main" xmlns="">
+    <mc:Fallback xmlns="" xmlns:p15="http://schemas.microsoft.com/office/powerpoint/2012/main">
       <p:transition spd="slow"/>
     </mc:Fallback>
   </mc:AlternateContent>
+  <p:timing>
+    <p:tnLst>
+      <p:par>
+        <p:cTn id="1" dur="indefinite" restart="never" nodeType="tmRoot"/>
+      </p:par>
+    </p:tnLst>
+  </p:timing>
 </p:sld>
 </file>
 
-<file path=ppt/slides/slide12.xml><?xml version="1.0" encoding="utf-8"?>
+<file path=ppt/slides/slide11.xml><?xml version="1.0" encoding="utf-8"?>
 <p:sld xmlns:a="http://schemas.openxmlformats.org/drawingml/2006/main" xmlns:r="http://schemas.openxmlformats.org/officeDocument/2006/relationships" xmlns:p="http://schemas.openxmlformats.org/presentationml/2006/main">
   <p:cSld>
     <p:spTree>
@@ -5055,14 +4647,21 @@
     <mc:Choice Requires="p14">
       <p:transition spd="slow" p14:dur="2000"/>
     </mc:Choice>
-    <mc:Fallback xmlns:p15="http://schemas.microsoft.com/office/powerpoint/2012/main" xmlns="">
+    <mc:Fallback xmlns="" xmlns:p15="http://schemas.microsoft.com/office/powerpoint/2012/main">
       <p:transition spd="slow"/>
     </mc:Fallback>
   </mc:AlternateContent>
+  <p:timing>
+    <p:tnLst>
+      <p:par>
+        <p:cTn id="1" dur="indefinite" restart="never" nodeType="tmRoot"/>
+      </p:par>
+    </p:tnLst>
+  </p:timing>
 </p:sld>
 </file>
 
-<file path=ppt/slides/slide13.xml><?xml version="1.0" encoding="utf-8"?>
+<file path=ppt/slides/slide12.xml><?xml version="1.0" encoding="utf-8"?>
 <p:sld xmlns:a="http://schemas.openxmlformats.org/drawingml/2006/main" xmlns:r="http://schemas.openxmlformats.org/officeDocument/2006/relationships" xmlns:p="http://schemas.openxmlformats.org/presentationml/2006/main">
   <p:cSld>
     <p:spTree>
@@ -5212,7 +4811,7 @@
               <a:buChar char=""/>
             </a:pPr>
             <a:r>
-              <a:rPr lang="en-US" sz="1800" b="0" strike="noStrike" spc="-1">
+              <a:rPr lang="en-US" sz="1800" b="0" strike="noStrike" spc="-1" dirty="0">
                 <a:latin typeface="Arial"/>
               </a:rPr>
               <a:t>By Black box we denote a predictive model which:</a:t>
@@ -5227,7 +4826,7 @@
               <a:buFont typeface="Wingdings" charset="2"/>
               <a:buChar char=""/>
             </a:pPr>
-            <a:endParaRPr lang="en-US" sz="1800" b="0" strike="noStrike" spc="-1">
+            <a:endParaRPr lang="en-US" sz="1800" b="0" strike="noStrike" spc="-1" dirty="0">
               <a:latin typeface="Arial"/>
             </a:endParaRPr>
           </a:p>
@@ -5241,11 +4840,20 @@
               <a:buChar char=""/>
             </a:pPr>
             <a:r>
-              <a:rPr lang="en-US" sz="1800" b="0" strike="noStrike" spc="-1">
-                <a:latin typeface="Arial"/>
-              </a:rPr>
-              <a:t>Has been pretrained</a:t>
-            </a:r>
+              <a:rPr lang="en-US" sz="1800" b="0" strike="noStrike" spc="-1" dirty="0">
+                <a:latin typeface="Arial"/>
+              </a:rPr>
+              <a:t>Has been </a:t>
+            </a:r>
+            <a:r>
+              <a:rPr lang="en-US" sz="1800" b="0" strike="noStrike" spc="-1" dirty="0" smtClean="0">
+                <a:latin typeface="Arial"/>
+              </a:rPr>
+              <a:t>trained</a:t>
+            </a:r>
+            <a:endParaRPr lang="en-US" sz="1800" b="0" strike="noStrike" spc="-1" dirty="0">
+              <a:latin typeface="Arial"/>
+            </a:endParaRPr>
           </a:p>
           <a:p>
             <a:pPr marL="216000" indent="-216000">
@@ -5256,7 +4864,7 @@
               <a:buFont typeface="Wingdings" charset="2"/>
               <a:buChar char=""/>
             </a:pPr>
-            <a:endParaRPr lang="en-US" sz="1800" b="0" strike="noStrike" spc="-1">
+            <a:endParaRPr lang="en-US" sz="1800" b="0" strike="noStrike" spc="-1" dirty="0">
               <a:latin typeface="Arial"/>
             </a:endParaRPr>
           </a:p>
@@ -5270,7 +4878,7 @@
               <a:buChar char=""/>
             </a:pPr>
             <a:r>
-              <a:rPr lang="en-US" sz="1800" b="0" strike="noStrike" spc="-1">
+              <a:rPr lang="en-US" sz="1800" b="0" strike="noStrike" spc="-1" dirty="0">
                 <a:latin typeface="Arial"/>
               </a:rPr>
               <a:t>Can estimate the output given a set of input values </a:t>
@@ -5285,7 +4893,7 @@
               <a:buFont typeface="Wingdings" charset="2"/>
               <a:buChar char=""/>
             </a:pPr>
-            <a:endParaRPr lang="en-US" sz="1800" b="0" strike="noStrike" spc="-1">
+            <a:endParaRPr lang="en-US" sz="1800" b="0" strike="noStrike" spc="-1" dirty="0">
               <a:latin typeface="Arial"/>
             </a:endParaRPr>
           </a:p>
@@ -5299,26 +4907,30 @@
               <a:buChar char=""/>
             </a:pPr>
             <a:r>
-              <a:rPr lang="en-US" sz="1800" b="0" strike="noStrike" spc="-1">
+              <a:rPr lang="en-US" sz="1800" b="0" strike="noStrike" spc="-1" dirty="0">
                 <a:latin typeface="Arial"/>
               </a:rPr>
               <a:t>Whose internal details, such as algorithm of choice, or dataset used for training, are not accessible or</a:t>
             </a:r>
           </a:p>
           <a:p>
-            <a:pPr marL="216000" indent="-216000">
+            <a:pPr>
               <a:buClr>
                 <a:srgbClr val="000000"/>
               </a:buClr>
               <a:buSzPct val="90000"/>
-              <a:buFont typeface="Wingdings" charset="2"/>
-              <a:buChar char=""/>
-            </a:pPr>
-            <a:r>
-              <a:rPr lang="en-US" sz="1800" b="0" strike="noStrike" spc="-1">
-                <a:latin typeface="Arial"/>
-              </a:rPr>
-              <a:t>not even known.</a:t>
+            </a:pPr>
+            <a:r>
+              <a:rPr lang="en-US" sz="1800" b="0" strike="noStrike" spc="-1" dirty="0" smtClean="0">
+                <a:latin typeface="Arial"/>
+              </a:rPr>
+              <a:t>  not </a:t>
+            </a:r>
+            <a:r>
+              <a:rPr lang="en-US" sz="1800" b="0" strike="noStrike" spc="-1" dirty="0">
+                <a:latin typeface="Arial"/>
+              </a:rPr>
+              <a:t>even known.</a:t>
             </a:r>
           </a:p>
         </p:txBody>
@@ -5332,14 +4944,21 @@
     <mc:Choice Requires="p14">
       <p:transition spd="slow" p14:dur="2000"/>
     </mc:Choice>
-    <mc:Fallback xmlns:p15="http://schemas.microsoft.com/office/powerpoint/2012/main" xmlns="">
+    <mc:Fallback xmlns="" xmlns:p15="http://schemas.microsoft.com/office/powerpoint/2012/main">
       <p:transition spd="slow"/>
     </mc:Fallback>
   </mc:AlternateContent>
+  <p:timing>
+    <p:tnLst>
+      <p:par>
+        <p:cTn id="1" dur="indefinite" restart="never" nodeType="tmRoot"/>
+      </p:par>
+    </p:tnLst>
+  </p:timing>
 </p:sld>
 </file>
 
-<file path=ppt/slides/slide14.xml><?xml version="1.0" encoding="utf-8"?>
+<file path=ppt/slides/slide13.xml><?xml version="1.0" encoding="utf-8"?>
 <p:sld xmlns:a="http://schemas.openxmlformats.org/drawingml/2006/main" xmlns:r="http://schemas.openxmlformats.org/officeDocument/2006/relationships" xmlns:p="http://schemas.openxmlformats.org/presentationml/2006/main">
   <p:cSld>
     <p:spTree>
@@ -5625,10 +5244,294 @@
     <mc:Choice Requires="p14">
       <p:transition spd="slow" p14:dur="2000"/>
     </mc:Choice>
-    <mc:Fallback xmlns:p15="http://schemas.microsoft.com/office/powerpoint/2012/main" xmlns="">
+    <mc:Fallback xmlns="" xmlns:p15="http://schemas.microsoft.com/office/powerpoint/2012/main">
       <p:transition spd="slow"/>
     </mc:Fallback>
   </mc:AlternateContent>
+  <p:timing>
+    <p:tnLst>
+      <p:par>
+        <p:cTn id="1" dur="indefinite" restart="never" nodeType="tmRoot"/>
+      </p:par>
+    </p:tnLst>
+  </p:timing>
+</p:sld>
+</file>
+
+<file path=ppt/slides/slide14.xml><?xml version="1.0" encoding="utf-8"?>
+<p:sld xmlns:a="http://schemas.openxmlformats.org/drawingml/2006/main" xmlns:r="http://schemas.openxmlformats.org/officeDocument/2006/relationships" xmlns:p="http://schemas.openxmlformats.org/presentationml/2006/main">
+  <p:cSld>
+    <p:spTree>
+      <p:nvGrpSpPr>
+        <p:cNvPr id="1" name=""/>
+        <p:cNvGrpSpPr/>
+        <p:nvPr/>
+      </p:nvGrpSpPr>
+      <p:grpSpPr>
+        <a:xfrm>
+          <a:off x="0" y="0"/>
+          <a:ext cx="0" cy="0"/>
+          <a:chOff x="0" y="0"/>
+          <a:chExt cx="0" cy="0"/>
+        </a:xfrm>
+      </p:grpSpPr>
+      <p:sp>
+        <p:nvSpPr>
+          <p:cNvPr id="135" name="CustomShape 1"/>
+          <p:cNvSpPr/>
+          <p:nvPr/>
+        </p:nvSpPr>
+        <p:spPr>
+          <a:xfrm>
+            <a:off x="485280" y="595440"/>
+            <a:ext cx="11168640" cy="681120"/>
+          </a:xfrm>
+          <a:prstGeom prst="rect">
+            <a:avLst/>
+          </a:prstGeom>
+          <a:solidFill>
+            <a:srgbClr val="00BAC8">
+              <a:alpha val="14000"/>
+            </a:srgbClr>
+          </a:solidFill>
+          <a:ln>
+            <a:noFill/>
+          </a:ln>
+        </p:spPr>
+        <p:style>
+          <a:lnRef idx="2">
+            <a:schemeClr val="accent1">
+              <a:shade val="50000"/>
+            </a:schemeClr>
+          </a:lnRef>
+          <a:fillRef idx="1">
+            <a:schemeClr val="accent1"/>
+          </a:fillRef>
+          <a:effectRef idx="0">
+            <a:schemeClr val="accent1"/>
+          </a:effectRef>
+          <a:fontRef idx="minor"/>
+        </p:style>
+      </p:sp>
+      <p:sp>
+        <p:nvSpPr>
+          <p:cNvPr id="136" name="CustomShape 2"/>
+          <p:cNvSpPr/>
+          <p:nvPr/>
+        </p:nvSpPr>
+        <p:spPr>
+          <a:xfrm>
+            <a:off x="482760" y="376920"/>
+            <a:ext cx="10633680" cy="1094400"/>
+          </a:xfrm>
+          <a:prstGeom prst="rect">
+            <a:avLst/>
+          </a:prstGeom>
+          <a:noFill/>
+          <a:ln>
+            <a:noFill/>
+          </a:ln>
+        </p:spPr>
+        <p:style>
+          <a:lnRef idx="0">
+            <a:scrgbClr r="0" g="0" b="0"/>
+          </a:lnRef>
+          <a:fillRef idx="0">
+            <a:scrgbClr r="0" g="0" b="0"/>
+          </a:fillRef>
+          <a:effectRef idx="0">
+            <a:scrgbClr r="0" g="0" b="0"/>
+          </a:effectRef>
+          <a:fontRef idx="minor"/>
+        </p:style>
+        <p:txBody>
+          <a:bodyPr lIns="90000" tIns="45000" rIns="90000" bIns="45000" anchor="ctr">
+            <a:noAutofit/>
+          </a:bodyPr>
+          <a:lstStyle/>
+          <a:p>
+            <a:pPr>
+              <a:lnSpc>
+                <a:spcPct val="100000"/>
+              </a:lnSpc>
+            </a:pPr>
+            <a:r>
+              <a:rPr lang="en-US" sz="3600" b="0" strike="noStrike" spc="-1">
+                <a:solidFill>
+                  <a:srgbClr val="000000"/>
+                </a:solidFill>
+                <a:latin typeface="Seaford"/>
+                <a:ea typeface="Seaford"/>
+              </a:rPr>
+              <a:t>What is an explanation?</a:t>
+            </a:r>
+            <a:endParaRPr lang="en-US" sz="3600" b="0" strike="noStrike" spc="-1">
+              <a:latin typeface="Arial"/>
+            </a:endParaRPr>
+          </a:p>
+        </p:txBody>
+      </p:sp>
+      <p:sp>
+        <p:nvSpPr>
+          <p:cNvPr id="137" name="TextShape 3"/>
+          <p:cNvSpPr txBox="1"/>
+          <p:nvPr/>
+        </p:nvSpPr>
+        <p:spPr>
+          <a:xfrm>
+            <a:off x="504000" y="4536000"/>
+            <a:ext cx="11160000" cy="1512000"/>
+          </a:xfrm>
+          <a:prstGeom prst="rect">
+            <a:avLst/>
+          </a:prstGeom>
+          <a:noFill/>
+          <a:ln>
+            <a:noFill/>
+          </a:ln>
+        </p:spPr>
+        <p:txBody>
+          <a:bodyPr lIns="90000" tIns="45000" rIns="90000" bIns="45000">
+            <a:noAutofit/>
+          </a:bodyPr>
+          <a:lstStyle/>
+          <a:p>
+            <a:pPr marL="216000" indent="-216000">
+              <a:lnSpc>
+                <a:spcPct val="100000"/>
+              </a:lnSpc>
+              <a:buClr>
+                <a:srgbClr val="000000"/>
+              </a:buClr>
+              <a:buSzPct val="70000"/>
+              <a:buFont typeface="Wingdings" charset="2"/>
+              <a:buChar char=""/>
+            </a:pPr>
+            <a:r>
+              <a:rPr lang="en-US" sz="1800" b="0" strike="noStrike" spc="-1">
+                <a:latin typeface="Arial"/>
+              </a:rPr>
+              <a:t>An explanation is the answer to a </a:t>
+            </a:r>
+            <a:r>
+              <a:rPr lang="en-US" sz="1800" b="1" strike="noStrike" spc="-1">
+                <a:latin typeface="Arial"/>
+              </a:rPr>
+              <a:t>why-question</a:t>
+            </a:r>
+            <a:r>
+              <a:rPr lang="en-US" sz="1800" b="0" strike="noStrike" spc="-1">
+                <a:latin typeface="Arial"/>
+              </a:rPr>
+              <a:t>:</a:t>
+            </a:r>
+          </a:p>
+          <a:p>
+            <a:pPr marL="216000" indent="-216000">
+              <a:lnSpc>
+                <a:spcPct val="100000"/>
+              </a:lnSpc>
+              <a:buClr>
+                <a:srgbClr val="000000"/>
+              </a:buClr>
+              <a:buSzPct val="70000"/>
+              <a:buFont typeface="Wingdings" charset="2"/>
+              <a:buChar char=""/>
+            </a:pPr>
+            <a:endParaRPr lang="en-US" sz="1800" b="0" strike="noStrike" spc="-1">
+              <a:latin typeface="Arial"/>
+            </a:endParaRPr>
+          </a:p>
+          <a:p>
+            <a:pPr marL="216000" indent="-216000">
+              <a:buClr>
+                <a:srgbClr val="000000"/>
+              </a:buClr>
+              <a:buSzPct val="90000"/>
+              <a:buFont typeface="Wingdings" charset="2"/>
+              <a:buChar char=""/>
+            </a:pPr>
+            <a:r>
+              <a:rPr lang="en-US" sz="1800" b="0" strike="noStrike" spc="-1">
+                <a:latin typeface="Arial"/>
+              </a:rPr>
+              <a:t>Why is treatment not suitable for the patient?</a:t>
+            </a:r>
+          </a:p>
+          <a:p>
+            <a:pPr marL="216000" indent="-216000">
+              <a:buClr>
+                <a:srgbClr val="000000"/>
+              </a:buClr>
+              <a:buSzPct val="90000"/>
+              <a:buFont typeface="Wingdings" charset="2"/>
+              <a:buChar char=""/>
+            </a:pPr>
+            <a:endParaRPr lang="en-US" sz="1800" b="0" strike="noStrike" spc="-1">
+              <a:latin typeface="Arial"/>
+            </a:endParaRPr>
+          </a:p>
+          <a:p>
+            <a:pPr marL="216000" indent="-216000">
+              <a:buClr>
+                <a:srgbClr val="000000"/>
+              </a:buClr>
+              <a:buSzPct val="90000"/>
+              <a:buFont typeface="Wingdings" charset="2"/>
+              <a:buChar char=""/>
+            </a:pPr>
+            <a:r>
+              <a:rPr lang="en-US" sz="1800" b="0" strike="noStrike" spc="-1">
+                <a:latin typeface="Arial"/>
+              </a:rPr>
+              <a:t> Why was my loan rejected?</a:t>
+            </a:r>
+          </a:p>
+        </p:txBody>
+      </p:sp>
+      <p:pic>
+        <p:nvPicPr>
+          <p:cNvPr id="138" name="137 Imagen"/>
+          <p:cNvPicPr/>
+          <p:nvPr/>
+        </p:nvPicPr>
+        <p:blipFill>
+          <a:blip r:embed="rId2"/>
+          <a:stretch/>
+        </p:blipFill>
+        <p:spPr>
+          <a:xfrm>
+            <a:off x="3484080" y="1344600"/>
+            <a:ext cx="4651920" cy="3049920"/>
+          </a:xfrm>
+          <a:prstGeom prst="rect">
+            <a:avLst/>
+          </a:prstGeom>
+          <a:ln>
+            <a:noFill/>
+          </a:ln>
+        </p:spPr>
+      </p:pic>
+    </p:spTree>
+  </p:cSld>
+  <p:clrMapOvr>
+    <a:masterClrMapping/>
+  </p:clrMapOvr>
+  <mc:AlternateContent xmlns:mc="http://schemas.openxmlformats.org/markup-compatibility/2006" xmlns:p14="http://schemas.microsoft.com/office/powerpoint/2010/main">
+    <mc:Choice Requires="p14">
+      <p:transition spd="slow" p14:dur="2000"/>
+    </mc:Choice>
+    <mc:Fallback xmlns="" xmlns:p15="http://schemas.microsoft.com/office/powerpoint/2012/main">
+      <p:transition spd="slow"/>
+    </mc:Fallback>
+  </mc:AlternateContent>
+  <p:timing>
+    <p:tnLst>
+      <p:par>
+        <p:cTn id="1" dur="indefinite" restart="never" nodeType="tmRoot"/>
+      </p:par>
+    </p:tnLst>
+  </p:timing>
 </p:sld>
 </file>
 
@@ -5651,7 +5554,7 @@
       </p:grpSpPr>
       <p:sp>
         <p:nvSpPr>
-          <p:cNvPr id="135" name="CustomShape 1"/>
+          <p:cNvPr id="139" name="CustomShape 1"/>
           <p:cNvSpPr/>
           <p:nvPr/>
         </p:nvSpPr>
@@ -5689,7 +5592,7 @@
       </p:sp>
       <p:sp>
         <p:nvSpPr>
-          <p:cNvPr id="136" name="CustomShape 2"/>
+          <p:cNvPr id="140" name="CustomShape 2"/>
           <p:cNvSpPr/>
           <p:nvPr/>
         </p:nvSpPr>
@@ -5747,14 +5650,14 @@
       </p:sp>
       <p:sp>
         <p:nvSpPr>
-          <p:cNvPr id="137" name="TextShape 3"/>
+          <p:cNvPr id="141" name="TextShape 3"/>
           <p:cNvSpPr txBox="1"/>
           <p:nvPr/>
         </p:nvSpPr>
         <p:spPr>
           <a:xfrm>
-            <a:off x="504000" y="4536000"/>
-            <a:ext cx="11160000" cy="1512000"/>
+            <a:off x="504000" y="1656000"/>
+            <a:ext cx="11160000" cy="4392000"/>
           </a:xfrm>
           <a:prstGeom prst="rect">
             <a:avLst/>
@@ -5785,36 +5688,8 @@
               <a:rPr lang="en-US" sz="1800" b="0" strike="noStrike" spc="-1">
                 <a:latin typeface="Arial"/>
               </a:rPr>
-              <a:t>An explanation is the answer to a </a:t>
-            </a:r>
-            <a:r>
-              <a:rPr lang="en-US" sz="1800" b="1" strike="noStrike" spc="-1">
-                <a:latin typeface="Arial"/>
-              </a:rPr>
-              <a:t>why-question</a:t>
-            </a:r>
-            <a:r>
-              <a:rPr lang="en-US" sz="1800" b="0" strike="noStrike" spc="-1">
-                <a:latin typeface="Arial"/>
-              </a:rPr>
-              <a:t>:</a:t>
-            </a:r>
-          </a:p>
-          <a:p>
-            <a:pPr marL="216000" indent="-216000">
-              <a:lnSpc>
-                <a:spcPct val="100000"/>
-              </a:lnSpc>
-              <a:buClr>
-                <a:srgbClr val="000000"/>
-              </a:buClr>
-              <a:buSzPct val="70000"/>
-              <a:buFont typeface="Wingdings" charset="2"/>
-              <a:buChar char=""/>
-            </a:pPr>
-            <a:endParaRPr lang="en-US" sz="1800" b="0" strike="noStrike" spc="-1">
-              <a:latin typeface="Arial"/>
-            </a:endParaRPr>
+              <a:t>A good explanation is:</a:t>
+            </a:r>
           </a:p>
           <a:p>
             <a:pPr marL="216000" indent="-216000">
@@ -5825,12 +5700,9 @@
               <a:buFont typeface="Wingdings" charset="2"/>
               <a:buChar char=""/>
             </a:pPr>
-            <a:r>
-              <a:rPr lang="en-US" sz="1800" b="0" strike="noStrike" spc="-1">
-                <a:latin typeface="Arial"/>
-              </a:rPr>
-              <a:t>Why is treatment not suitable for the patient?</a:t>
-            </a:r>
+            <a:endParaRPr lang="en-US" sz="1800" b="0" strike="noStrike" spc="-1">
+              <a:latin typeface="Arial"/>
+            </a:endParaRPr>
           </a:p>
           <a:p>
             <a:pPr marL="216000" indent="-216000">
@@ -5841,9 +5713,30 @@
               <a:buFont typeface="Wingdings" charset="2"/>
               <a:buChar char=""/>
             </a:pPr>
-            <a:endParaRPr lang="en-US" sz="1800" b="0" strike="noStrike" spc="-1">
-              <a:latin typeface="Arial"/>
-            </a:endParaRPr>
+            <a:r>
+              <a:rPr lang="en-US" sz="1800" b="1" strike="noStrike" spc="-1">
+                <a:latin typeface="Arial"/>
+              </a:rPr>
+              <a:t>Contrastive.</a:t>
+            </a:r>
+            <a:r>
+              <a:rPr lang="en-US" sz="1800" b="0" strike="noStrike" spc="-1">
+                <a:latin typeface="Arial"/>
+              </a:rPr>
+              <a:t> Humans usually do not ask why a certain prediction was made, but </a:t>
+            </a:r>
+            <a:r>
+              <a:rPr lang="en-US" sz="1800" b="1" strike="noStrike" spc="-1">
+                <a:latin typeface="Arial"/>
+              </a:rPr>
+              <a:t>why this prediction was made instead of another prediction.</a:t>
+            </a:r>
+            <a:r>
+              <a:rPr lang="en-US" sz="1800" b="0" strike="noStrike" spc="-1">
+                <a:latin typeface="Arial"/>
+              </a:rPr>
+              <a:t>  </a:t>
+            </a:r>
           </a:p>
           <a:p>
             <a:pPr marL="216000" indent="-216000">
@@ -5854,38 +5747,157 @@
               <a:buFont typeface="Wingdings" charset="2"/>
               <a:buChar char=""/>
             </a:pPr>
+            <a:endParaRPr lang="en-US" sz="1800" b="0" strike="noStrike" spc="-1">
+              <a:latin typeface="Arial"/>
+            </a:endParaRPr>
+          </a:p>
+          <a:p>
+            <a:pPr marL="216000" indent="-216000">
+              <a:buClr>
+                <a:srgbClr val="000000"/>
+              </a:buClr>
+              <a:buSzPct val="90000"/>
+              <a:buFont typeface="Wingdings" charset="2"/>
+              <a:buChar char=""/>
+            </a:pPr>
+            <a:r>
+              <a:rPr lang="en-US" sz="1800" b="1" strike="noStrike" spc="-1">
+                <a:latin typeface="Arial"/>
+              </a:rPr>
+              <a:t>Selected</a:t>
+            </a:r>
             <a:r>
               <a:rPr lang="en-US" sz="1800" b="0" strike="noStrike" spc="-1">
                 <a:latin typeface="Arial"/>
               </a:rPr>
-              <a:t> Why was my loan rejected?</a:t>
-            </a:r>
-          </a:p>
-        </p:txBody>
-      </p:sp>
-      <p:pic>
-        <p:nvPicPr>
-          <p:cNvPr id="138" name="137 Imagen"/>
-          <p:cNvPicPr/>
-          <p:nvPr/>
-        </p:nvPicPr>
-        <p:blipFill>
-          <a:blip r:embed="rId2"/>
-          <a:stretch/>
-        </p:blipFill>
-        <p:spPr>
-          <a:xfrm>
-            <a:off x="3484080" y="1344600"/>
-            <a:ext cx="4651920" cy="3049920"/>
-          </a:xfrm>
-          <a:prstGeom prst="rect">
-            <a:avLst/>
-          </a:prstGeom>
-          <a:ln>
-            <a:noFill/>
-          </a:ln>
-        </p:spPr>
-      </p:pic>
+              <a:t>. People do not expect explanations that cover the actual and complete list of causes of an event. We are used to selecting </a:t>
+            </a:r>
+            <a:r>
+              <a:rPr lang="en-US" sz="1800" b="1" strike="noStrike" spc="-1">
+                <a:latin typeface="Arial"/>
+              </a:rPr>
+              <a:t>one or two causes</a:t>
+            </a:r>
+            <a:r>
+              <a:rPr lang="en-US" sz="1800" b="0" strike="noStrike" spc="-1">
+                <a:latin typeface="Arial"/>
+              </a:rPr>
+              <a:t> from a variety of possible causes as THE explanation.</a:t>
+            </a:r>
+          </a:p>
+          <a:p>
+            <a:pPr marL="216000" indent="-216000">
+              <a:buClr>
+                <a:srgbClr val="000000"/>
+              </a:buClr>
+              <a:buSzPct val="90000"/>
+              <a:buFont typeface="Wingdings" charset="2"/>
+              <a:buChar char=""/>
+            </a:pPr>
+            <a:endParaRPr lang="en-US" sz="1800" b="0" strike="noStrike" spc="-1">
+              <a:latin typeface="Arial"/>
+            </a:endParaRPr>
+          </a:p>
+          <a:p>
+            <a:pPr marL="216000" indent="-216000">
+              <a:buClr>
+                <a:srgbClr val="000000"/>
+              </a:buClr>
+              <a:buSzPct val="90000"/>
+              <a:buFont typeface="Wingdings" charset="2"/>
+              <a:buChar char=""/>
+            </a:pPr>
+            <a:r>
+              <a:rPr lang="en-US" sz="1800" b="1" strike="noStrike" spc="-1">
+                <a:latin typeface="Arial"/>
+              </a:rPr>
+              <a:t>Consistent</a:t>
+            </a:r>
+            <a:r>
+              <a:rPr lang="en-US" sz="1800" b="0" strike="noStrike" spc="-1">
+                <a:latin typeface="Arial"/>
+              </a:rPr>
+              <a:t> with prior beliefs of the customer. This is difficult to integrate into machine learning!</a:t>
+            </a:r>
+          </a:p>
+          <a:p>
+            <a:pPr marL="216000" indent="-216000">
+              <a:buClr>
+                <a:srgbClr val="000000"/>
+              </a:buClr>
+              <a:buSzPct val="90000"/>
+              <a:buFont typeface="Wingdings" charset="2"/>
+              <a:buChar char=""/>
+            </a:pPr>
+            <a:endParaRPr lang="en-US" sz="1800" b="0" strike="noStrike" spc="-1">
+              <a:latin typeface="Arial"/>
+            </a:endParaRPr>
+          </a:p>
+          <a:p>
+            <a:pPr marL="216000" indent="-216000">
+              <a:buClr>
+                <a:srgbClr val="000000"/>
+              </a:buClr>
+              <a:buSzPct val="90000"/>
+              <a:buFont typeface="Wingdings" charset="2"/>
+              <a:buChar char=""/>
+            </a:pPr>
+            <a:r>
+              <a:rPr lang="en-US" sz="1800" b="0" strike="noStrike" spc="-1">
+                <a:latin typeface="Arial"/>
+              </a:rPr>
+              <a:t> </a:t>
+            </a:r>
+            <a:r>
+              <a:rPr lang="en-US" sz="1800" b="1" strike="noStrike" spc="-1">
+                <a:latin typeface="Arial"/>
+              </a:rPr>
+              <a:t>Focused on the abnormal.</a:t>
+            </a:r>
+            <a:r>
+              <a:rPr lang="en-US" sz="1800" b="0" strike="noStrike" spc="-1">
+                <a:latin typeface="Arial"/>
+              </a:rPr>
+              <a:t> People focus more on causes that had a small probability but nevertheless happened.</a:t>
+            </a:r>
+          </a:p>
+          <a:p>
+            <a:pPr marL="216000" indent="-216000">
+              <a:buClr>
+                <a:srgbClr val="000000"/>
+              </a:buClr>
+              <a:buSzPct val="90000"/>
+              <a:buFont typeface="Wingdings" charset="2"/>
+              <a:buChar char=""/>
+            </a:pPr>
+            <a:endParaRPr lang="en-US" sz="1800" b="0" strike="noStrike" spc="-1">
+              <a:latin typeface="Arial"/>
+            </a:endParaRPr>
+          </a:p>
+          <a:p>
+            <a:pPr marL="216000" indent="-216000">
+              <a:buClr>
+                <a:srgbClr val="000000"/>
+              </a:buClr>
+              <a:buSzPct val="90000"/>
+              <a:buFont typeface="Wingdings" charset="2"/>
+              <a:buChar char=""/>
+            </a:pPr>
+            <a:r>
+              <a:rPr lang="en-US" sz="1800" b="1" strike="noStrike" spc="-1">
+                <a:latin typeface="Arial"/>
+              </a:rPr>
+              <a:t>General and probable.</a:t>
+            </a:r>
+            <a:r>
+              <a:rPr lang="en-US" sz="1800" b="0" strike="noStrike" spc="-1">
+                <a:latin typeface="Arial"/>
+              </a:rPr>
+              <a:t> A cause that can explain many events is very general and could be considered a good explanation.</a:t>
+            </a:r>
+          </a:p>
+        </p:txBody>
+      </p:sp>
     </p:spTree>
   </p:cSld>
   <p:clrMapOvr>
@@ -5895,10 +5907,17 @@
     <mc:Choice Requires="p14">
       <p:transition spd="slow" p14:dur="2000"/>
     </mc:Choice>
-    <mc:Fallback xmlns:p15="http://schemas.microsoft.com/office/powerpoint/2012/main" xmlns="">
+    <mc:Fallback xmlns="" xmlns:p15="http://schemas.microsoft.com/office/powerpoint/2012/main">
       <p:transition spd="slow"/>
     </mc:Fallback>
   </mc:AlternateContent>
+  <p:timing>
+    <p:tnLst>
+      <p:par>
+        <p:cTn id="1" dur="indefinite" restart="never" nodeType="tmRoot"/>
+      </p:par>
+    </p:tnLst>
+  </p:timing>
 </p:sld>
 </file>
 
@@ -5921,7 +5940,7 @@
       </p:grpSpPr>
       <p:sp>
         <p:nvSpPr>
-          <p:cNvPr id="139" name="CustomShape 1"/>
+          <p:cNvPr id="142" name="CustomShape 1"/>
           <p:cNvSpPr/>
           <p:nvPr/>
         </p:nvSpPr>
@@ -5959,7 +5978,7 @@
       </p:sp>
       <p:sp>
         <p:nvSpPr>
-          <p:cNvPr id="140" name="CustomShape 2"/>
+          <p:cNvPr id="143" name="CustomShape 2"/>
           <p:cNvSpPr/>
           <p:nvPr/>
         </p:nvSpPr>
@@ -6007,7 +6026,7 @@
                 <a:latin typeface="Seaford"/>
                 <a:ea typeface="Seaford"/>
               </a:rPr>
-              <a:t>What is an explanation?</a:t>
+              <a:t>It is a difficult problem!</a:t>
             </a:r>
             <a:endParaRPr lang="en-US" sz="3600" b="0" strike="noStrike" spc="-1">
               <a:latin typeface="Arial"/>
@@ -6015,256 +6034,29 @@
           </a:p>
         </p:txBody>
       </p:sp>
-      <p:sp>
-        <p:nvSpPr>
-          <p:cNvPr id="141" name="TextShape 3"/>
-          <p:cNvSpPr txBox="1"/>
+      <p:pic>
+        <p:nvPicPr>
+          <p:cNvPr id="144" name="143 Imagen"/>
+          <p:cNvPicPr/>
           <p:nvPr/>
-        </p:nvSpPr>
-        <p:spPr>
-          <a:xfrm>
-            <a:off x="504000" y="1656000"/>
-            <a:ext cx="11160000" cy="4392000"/>
-          </a:xfrm>
-          <a:prstGeom prst="rect">
-            <a:avLst/>
-          </a:prstGeom>
-          <a:noFill/>
+        </p:nvPicPr>
+        <p:blipFill>
+          <a:blip r:embed="rId2"/>
+          <a:stretch/>
+        </p:blipFill>
+        <p:spPr>
+          <a:xfrm>
+            <a:off x="2232000" y="1350720"/>
+            <a:ext cx="8136000" cy="4943160"/>
+          </a:xfrm>
+          <a:prstGeom prst="rect">
+            <a:avLst/>
+          </a:prstGeom>
           <a:ln>
             <a:noFill/>
           </a:ln>
         </p:spPr>
-        <p:txBody>
-          <a:bodyPr lIns="90000" tIns="45000" rIns="90000" bIns="45000">
-            <a:noAutofit/>
-          </a:bodyPr>
-          <a:lstStyle/>
-          <a:p>
-            <a:pPr marL="216000" indent="-216000">
-              <a:lnSpc>
-                <a:spcPct val="100000"/>
-              </a:lnSpc>
-              <a:buClr>
-                <a:srgbClr val="000000"/>
-              </a:buClr>
-              <a:buSzPct val="70000"/>
-              <a:buFont typeface="Wingdings" charset="2"/>
-              <a:buChar char=""/>
-            </a:pPr>
-            <a:r>
-              <a:rPr lang="en-US" sz="1800" b="0" strike="noStrike" spc="-1">
-                <a:latin typeface="Arial"/>
-              </a:rPr>
-              <a:t>A good explanation is:</a:t>
-            </a:r>
-          </a:p>
-          <a:p>
-            <a:pPr marL="216000" indent="-216000">
-              <a:buClr>
-                <a:srgbClr val="000000"/>
-              </a:buClr>
-              <a:buSzPct val="90000"/>
-              <a:buFont typeface="Wingdings" charset="2"/>
-              <a:buChar char=""/>
-            </a:pPr>
-            <a:endParaRPr lang="en-US" sz="1800" b="0" strike="noStrike" spc="-1">
-              <a:latin typeface="Arial"/>
-            </a:endParaRPr>
-          </a:p>
-          <a:p>
-            <a:pPr marL="216000" indent="-216000">
-              <a:buClr>
-                <a:srgbClr val="000000"/>
-              </a:buClr>
-              <a:buSzPct val="90000"/>
-              <a:buFont typeface="Wingdings" charset="2"/>
-              <a:buChar char=""/>
-            </a:pPr>
-            <a:r>
-              <a:rPr lang="en-US" sz="1800" b="1" strike="noStrike" spc="-1">
-                <a:latin typeface="Arial"/>
-              </a:rPr>
-              <a:t>Contrastive.</a:t>
-            </a:r>
-            <a:r>
-              <a:rPr lang="en-US" sz="1800" b="0" strike="noStrike" spc="-1">
-                <a:latin typeface="Arial"/>
-              </a:rPr>
-              <a:t> Humans usually do not ask why a certain prediction was made, but </a:t>
-            </a:r>
-            <a:r>
-              <a:rPr lang="en-US" sz="1800" b="1" strike="noStrike" spc="-1">
-                <a:latin typeface="Arial"/>
-              </a:rPr>
-              <a:t>why this prediction was made instead of another prediction.</a:t>
-            </a:r>
-            <a:r>
-              <a:rPr lang="en-US" sz="1800" b="0" strike="noStrike" spc="-1">
-                <a:latin typeface="Arial"/>
-              </a:rPr>
-              <a:t>  </a:t>
-            </a:r>
-          </a:p>
-          <a:p>
-            <a:pPr marL="216000" indent="-216000">
-              <a:buClr>
-                <a:srgbClr val="000000"/>
-              </a:buClr>
-              <a:buSzPct val="90000"/>
-              <a:buFont typeface="Wingdings" charset="2"/>
-              <a:buChar char=""/>
-            </a:pPr>
-            <a:endParaRPr lang="en-US" sz="1800" b="0" strike="noStrike" spc="-1">
-              <a:latin typeface="Arial"/>
-            </a:endParaRPr>
-          </a:p>
-          <a:p>
-            <a:pPr marL="216000" indent="-216000">
-              <a:buClr>
-                <a:srgbClr val="000000"/>
-              </a:buClr>
-              <a:buSzPct val="90000"/>
-              <a:buFont typeface="Wingdings" charset="2"/>
-              <a:buChar char=""/>
-            </a:pPr>
-            <a:r>
-              <a:rPr lang="en-US" sz="1800" b="1" strike="noStrike" spc="-1">
-                <a:latin typeface="Arial"/>
-              </a:rPr>
-              <a:t>Selected</a:t>
-            </a:r>
-            <a:r>
-              <a:rPr lang="en-US" sz="1800" b="0" strike="noStrike" spc="-1">
-                <a:latin typeface="Arial"/>
-              </a:rPr>
-              <a:t>. People do not expect explanations that cover the actual and complete list of causes of an event. We are used to selecting </a:t>
-            </a:r>
-            <a:r>
-              <a:rPr lang="en-US" sz="1800" b="1" strike="noStrike" spc="-1">
-                <a:latin typeface="Arial"/>
-              </a:rPr>
-              <a:t>one or two causes</a:t>
-            </a:r>
-            <a:r>
-              <a:rPr lang="en-US" sz="1800" b="0" strike="noStrike" spc="-1">
-                <a:latin typeface="Arial"/>
-              </a:rPr>
-              <a:t> from a variety of possible causes as THE explanation.</a:t>
-            </a:r>
-          </a:p>
-          <a:p>
-            <a:pPr marL="216000" indent="-216000">
-              <a:buClr>
-                <a:srgbClr val="000000"/>
-              </a:buClr>
-              <a:buSzPct val="90000"/>
-              <a:buFont typeface="Wingdings" charset="2"/>
-              <a:buChar char=""/>
-            </a:pPr>
-            <a:endParaRPr lang="en-US" sz="1800" b="0" strike="noStrike" spc="-1">
-              <a:latin typeface="Arial"/>
-            </a:endParaRPr>
-          </a:p>
-          <a:p>
-            <a:pPr marL="216000" indent="-216000">
-              <a:buClr>
-                <a:srgbClr val="000000"/>
-              </a:buClr>
-              <a:buSzPct val="90000"/>
-              <a:buFont typeface="Wingdings" charset="2"/>
-              <a:buChar char=""/>
-            </a:pPr>
-            <a:r>
-              <a:rPr lang="en-US" sz="1800" b="1" strike="noStrike" spc="-1">
-                <a:latin typeface="Arial"/>
-              </a:rPr>
-              <a:t>Consistent</a:t>
-            </a:r>
-            <a:r>
-              <a:rPr lang="en-US" sz="1800" b="0" strike="noStrike" spc="-1">
-                <a:latin typeface="Arial"/>
-              </a:rPr>
-              <a:t> with prior beliefs of the customer. This is difficult to integrate into machine learning!</a:t>
-            </a:r>
-          </a:p>
-          <a:p>
-            <a:pPr marL="216000" indent="-216000">
-              <a:buClr>
-                <a:srgbClr val="000000"/>
-              </a:buClr>
-              <a:buSzPct val="90000"/>
-              <a:buFont typeface="Wingdings" charset="2"/>
-              <a:buChar char=""/>
-            </a:pPr>
-            <a:endParaRPr lang="en-US" sz="1800" b="0" strike="noStrike" spc="-1">
-              <a:latin typeface="Arial"/>
-            </a:endParaRPr>
-          </a:p>
-          <a:p>
-            <a:pPr marL="216000" indent="-216000">
-              <a:buClr>
-                <a:srgbClr val="000000"/>
-              </a:buClr>
-              <a:buSzPct val="90000"/>
-              <a:buFont typeface="Wingdings" charset="2"/>
-              <a:buChar char=""/>
-            </a:pPr>
-            <a:r>
-              <a:rPr lang="en-US" sz="1800" b="0" strike="noStrike" spc="-1">
-                <a:latin typeface="Arial"/>
-              </a:rPr>
-              <a:t> </a:t>
-            </a:r>
-            <a:r>
-              <a:rPr lang="en-US" sz="1800" b="1" strike="noStrike" spc="-1">
-                <a:latin typeface="Arial"/>
-              </a:rPr>
-              <a:t>Focused on the abnormal.</a:t>
-            </a:r>
-            <a:r>
-              <a:rPr lang="en-US" sz="1800" b="0" strike="noStrike" spc="-1">
-                <a:latin typeface="Arial"/>
-              </a:rPr>
-              <a:t> People focus more on causes that had a small probability but nevertheless happened.</a:t>
-            </a:r>
-          </a:p>
-          <a:p>
-            <a:pPr marL="216000" indent="-216000">
-              <a:buClr>
-                <a:srgbClr val="000000"/>
-              </a:buClr>
-              <a:buSzPct val="90000"/>
-              <a:buFont typeface="Wingdings" charset="2"/>
-              <a:buChar char=""/>
-            </a:pPr>
-            <a:endParaRPr lang="en-US" sz="1800" b="0" strike="noStrike" spc="-1">
-              <a:latin typeface="Arial"/>
-            </a:endParaRPr>
-          </a:p>
-          <a:p>
-            <a:pPr marL="216000" indent="-216000">
-              <a:buClr>
-                <a:srgbClr val="000000"/>
-              </a:buClr>
-              <a:buSzPct val="90000"/>
-              <a:buFont typeface="Wingdings" charset="2"/>
-              <a:buChar char=""/>
-            </a:pPr>
-            <a:r>
-              <a:rPr lang="en-US" sz="1800" b="1" strike="noStrike" spc="-1">
-                <a:latin typeface="Arial"/>
-              </a:rPr>
-              <a:t>General and probable.</a:t>
-            </a:r>
-            <a:r>
-              <a:rPr lang="en-US" sz="1800" b="0" strike="noStrike" spc="-1">
-                <a:latin typeface="Arial"/>
-              </a:rPr>
-              <a:t> A cause that can explain many events is very general and could be considered a good explanation.</a:t>
-            </a:r>
-          </a:p>
-        </p:txBody>
-      </p:sp>
+      </p:pic>
     </p:spTree>
   </p:cSld>
   <p:clrMapOvr>
@@ -6274,10 +6066,17 @@
     <mc:Choice Requires="p14">
       <p:transition spd="slow" p14:dur="2000"/>
     </mc:Choice>
-    <mc:Fallback xmlns:p15="http://schemas.microsoft.com/office/powerpoint/2012/main" xmlns="">
+    <mc:Fallback xmlns="" xmlns:p15="http://schemas.microsoft.com/office/powerpoint/2012/main">
       <p:transition spd="slow"/>
     </mc:Fallback>
   </mc:AlternateContent>
+  <p:timing>
+    <p:tnLst>
+      <p:par>
+        <p:cTn id="1" dur="indefinite" restart="never" nodeType="tmRoot"/>
+      </p:par>
+    </p:tnLst>
+  </p:timing>
 </p:sld>
 </file>
 
@@ -6300,7 +6099,7 @@
       </p:grpSpPr>
       <p:sp>
         <p:nvSpPr>
-          <p:cNvPr id="142" name="CustomShape 1"/>
+          <p:cNvPr id="145" name="CustomShape 1"/>
           <p:cNvSpPr/>
           <p:nvPr/>
         </p:nvSpPr>
@@ -6338,7 +6137,7 @@
       </p:sp>
       <p:sp>
         <p:nvSpPr>
-          <p:cNvPr id="143" name="CustomShape 2"/>
+          <p:cNvPr id="146" name="CustomShape 2"/>
           <p:cNvSpPr/>
           <p:nvPr/>
         </p:nvSpPr>
@@ -6386,158 +6185,6 @@
                 <a:latin typeface="Seaford"/>
                 <a:ea typeface="Seaford"/>
               </a:rPr>
-              <a:t>It is a difficult problem!</a:t>
-            </a:r>
-            <a:endParaRPr lang="en-US" sz="3600" b="0" strike="noStrike" spc="-1">
-              <a:latin typeface="Arial"/>
-            </a:endParaRPr>
-          </a:p>
-        </p:txBody>
-      </p:sp>
-      <p:pic>
-        <p:nvPicPr>
-          <p:cNvPr id="144" name="143 Imagen"/>
-          <p:cNvPicPr/>
-          <p:nvPr/>
-        </p:nvPicPr>
-        <p:blipFill>
-          <a:blip r:embed="rId2"/>
-          <a:stretch/>
-        </p:blipFill>
-        <p:spPr>
-          <a:xfrm>
-            <a:off x="2232000" y="1350720"/>
-            <a:ext cx="8136000" cy="4943160"/>
-          </a:xfrm>
-          <a:prstGeom prst="rect">
-            <a:avLst/>
-          </a:prstGeom>
-          <a:ln>
-            <a:noFill/>
-          </a:ln>
-        </p:spPr>
-      </p:pic>
-    </p:spTree>
-  </p:cSld>
-  <p:clrMapOvr>
-    <a:masterClrMapping/>
-  </p:clrMapOvr>
-  <mc:AlternateContent xmlns:mc="http://schemas.openxmlformats.org/markup-compatibility/2006" xmlns:p14="http://schemas.microsoft.com/office/powerpoint/2010/main">
-    <mc:Choice Requires="p14">
-      <p:transition spd="slow" p14:dur="2000"/>
-    </mc:Choice>
-    <mc:Fallback xmlns:p15="http://schemas.microsoft.com/office/powerpoint/2012/main" xmlns="">
-      <p:transition spd="slow"/>
-    </mc:Fallback>
-  </mc:AlternateContent>
-</p:sld>
-</file>
-
-<file path=ppt/slides/slide18.xml><?xml version="1.0" encoding="utf-8"?>
-<p:sld xmlns:a="http://schemas.openxmlformats.org/drawingml/2006/main" xmlns:r="http://schemas.openxmlformats.org/officeDocument/2006/relationships" xmlns:p="http://schemas.openxmlformats.org/presentationml/2006/main">
-  <p:cSld>
-    <p:spTree>
-      <p:nvGrpSpPr>
-        <p:cNvPr id="1" name=""/>
-        <p:cNvGrpSpPr/>
-        <p:nvPr/>
-      </p:nvGrpSpPr>
-      <p:grpSpPr>
-        <a:xfrm>
-          <a:off x="0" y="0"/>
-          <a:ext cx="0" cy="0"/>
-          <a:chOff x="0" y="0"/>
-          <a:chExt cx="0" cy="0"/>
-        </a:xfrm>
-      </p:grpSpPr>
-      <p:sp>
-        <p:nvSpPr>
-          <p:cNvPr id="145" name="CustomShape 1"/>
-          <p:cNvSpPr/>
-          <p:nvPr/>
-        </p:nvSpPr>
-        <p:spPr>
-          <a:xfrm>
-            <a:off x="485280" y="595440"/>
-            <a:ext cx="11168640" cy="681120"/>
-          </a:xfrm>
-          <a:prstGeom prst="rect">
-            <a:avLst/>
-          </a:prstGeom>
-          <a:solidFill>
-            <a:srgbClr val="00BAC8">
-              <a:alpha val="14000"/>
-            </a:srgbClr>
-          </a:solidFill>
-          <a:ln>
-            <a:noFill/>
-          </a:ln>
-        </p:spPr>
-        <p:style>
-          <a:lnRef idx="2">
-            <a:schemeClr val="accent1">
-              <a:shade val="50000"/>
-            </a:schemeClr>
-          </a:lnRef>
-          <a:fillRef idx="1">
-            <a:schemeClr val="accent1"/>
-          </a:fillRef>
-          <a:effectRef idx="0">
-            <a:schemeClr val="accent1"/>
-          </a:effectRef>
-          <a:fontRef idx="minor"/>
-        </p:style>
-      </p:sp>
-      <p:sp>
-        <p:nvSpPr>
-          <p:cNvPr id="146" name="CustomShape 2"/>
-          <p:cNvSpPr/>
-          <p:nvPr/>
-        </p:nvSpPr>
-        <p:spPr>
-          <a:xfrm>
-            <a:off x="482760" y="376920"/>
-            <a:ext cx="10633680" cy="1094400"/>
-          </a:xfrm>
-          <a:prstGeom prst="rect">
-            <a:avLst/>
-          </a:prstGeom>
-          <a:noFill/>
-          <a:ln>
-            <a:noFill/>
-          </a:ln>
-        </p:spPr>
-        <p:style>
-          <a:lnRef idx="0">
-            <a:scrgbClr r="0" g="0" b="0"/>
-          </a:lnRef>
-          <a:fillRef idx="0">
-            <a:scrgbClr r="0" g="0" b="0"/>
-          </a:fillRef>
-          <a:effectRef idx="0">
-            <a:scrgbClr r="0" g="0" b="0"/>
-          </a:effectRef>
-          <a:fontRef idx="minor"/>
-        </p:style>
-        <p:txBody>
-          <a:bodyPr lIns="90000" tIns="45000" rIns="90000" bIns="45000" anchor="ctr">
-            <a:noAutofit/>
-          </a:bodyPr>
-          <a:lstStyle/>
-          <a:p>
-            <a:pPr>
-              <a:lnSpc>
-                <a:spcPct val="100000"/>
-              </a:lnSpc>
-            </a:pPr>
-            <a:r>
-              <a:rPr lang="en-US" sz="3600" b="0" strike="noStrike" spc="-1">
-                <a:solidFill>
-                  <a:srgbClr val="000000"/>
-                </a:solidFill>
-                <a:latin typeface="Seaford"/>
-                <a:ea typeface="Seaford"/>
-              </a:rPr>
               <a:t>The skeptical point of view</a:t>
             </a:r>
             <a:endParaRPr lang="en-US" sz="3600" b="0" strike="noStrike" spc="-1">
@@ -6579,10 +6226,17 @@
     <mc:Choice Requires="p14">
       <p:transition spd="slow" p14:dur="2000"/>
     </mc:Choice>
-    <mc:Fallback xmlns:p15="http://schemas.microsoft.com/office/powerpoint/2012/main" xmlns="">
+    <mc:Fallback xmlns="" xmlns:p15="http://schemas.microsoft.com/office/powerpoint/2012/main">
       <p:transition spd="slow"/>
     </mc:Fallback>
   </mc:AlternateContent>
+  <p:timing>
+    <p:tnLst>
+      <p:par>
+        <p:cTn id="1" dur="indefinite" restart="never" nodeType="tmRoot"/>
+      </p:par>
+    </p:tnLst>
+  </p:timing>
 </p:sld>
 </file>
 
@@ -6667,10 +6321,17 @@
     <mc:Choice Requires="p14">
       <p:transition spd="slow" p14:dur="2000"/>
     </mc:Choice>
-    <mc:Fallback xmlns:p15="http://schemas.microsoft.com/office/powerpoint/2012/main" xmlns="">
+    <mc:Fallback xmlns="" xmlns:p15="http://schemas.microsoft.com/office/powerpoint/2012/main">
       <p:transition spd="slow"/>
     </mc:Fallback>
   </mc:AlternateContent>
+  <p:timing>
+    <p:tnLst>
+      <p:par>
+        <p:cTn id="1" dur="indefinite" restart="never" nodeType="tmRoot"/>
+      </p:par>
+    </p:tnLst>
+  </p:timing>
 </p:sld>
 </file>
 
@@ -6756,10 +6417,17 @@
     <mc:Choice Requires="p14">
       <p:transition spd="slow" p14:dur="2000"/>
     </mc:Choice>
-    <mc:Fallback xmlns:p15="http://schemas.microsoft.com/office/powerpoint/2012/main" xmlns="">
+    <mc:Fallback xmlns="" xmlns:p15="http://schemas.microsoft.com/office/powerpoint/2012/main">
       <p:transition spd="slow"/>
     </mc:Fallback>
   </mc:AlternateContent>
+  <p:timing>
+    <p:tnLst>
+      <p:par>
+        <p:cTn id="1" dur="indefinite" restart="never" nodeType="tmRoot"/>
+      </p:par>
+    </p:tnLst>
+  </p:timing>
 </p:sld>
 </file>
 
@@ -6869,10 +6537,17 @@
     <mc:Choice Requires="p14">
       <p:transition spd="slow" p14:dur="2000"/>
     </mc:Choice>
-    <mc:Fallback xmlns:p15="http://schemas.microsoft.com/office/powerpoint/2012/main" xmlns="">
+    <mc:Fallback xmlns="" xmlns:p15="http://schemas.microsoft.com/office/powerpoint/2012/main">
       <p:transition spd="slow"/>
     </mc:Fallback>
   </mc:AlternateContent>
+  <p:timing>
+    <p:tnLst>
+      <p:par>
+        <p:cTn id="1" dur="indefinite" restart="never" nodeType="tmRoot"/>
+      </p:par>
+    </p:tnLst>
+  </p:timing>
 </p:sld>
 </file>
 
@@ -7048,6 +6723,37 @@
             </a:r>
           </a:p>
           <a:p>
+            <a:pPr>
+              <a:buClr>
+                <a:srgbClr val="000000"/>
+              </a:buClr>
+            </a:pPr>
+            <a:r>
+              <a:rPr lang="en-US" spc="-1" dirty="0">
+                <a:latin typeface="Arial"/>
+              </a:rPr>
+              <a:t> </a:t>
+            </a:r>
+            <a:r>
+              <a:rPr lang="en-US" spc="-1" dirty="0" smtClean="0">
+                <a:latin typeface="Arial"/>
+              </a:rPr>
+              <a:t>                                                </a:t>
+            </a:r>
+            <a:r>
+              <a:rPr lang="en-US" sz="1800" b="0" strike="noStrike" spc="-1" dirty="0" smtClean="0">
+                <a:latin typeface="Arial"/>
+              </a:rPr>
+              <a:t>→ </a:t>
+            </a:r>
+            <a:r>
+              <a:rPr lang="en-US" sz="1800" b="0" strike="noStrike" spc="-1" dirty="0">
+                <a:latin typeface="Arial"/>
+              </a:rPr>
+              <a:t>What is the mean value of X?</a:t>
+            </a:r>
+          </a:p>
+          <a:p>
             <a:pPr marL="216000" indent="-216000">
               <a:buClr>
                 <a:srgbClr val="000000"/>
@@ -7055,12 +6761,9 @@
               <a:buFont typeface="Wingdings" charset="2"/>
               <a:buChar char=""/>
             </a:pPr>
-            <a:r>
-              <a:rPr lang="en-US" sz="1800" b="0" strike="noStrike" spc="-1" dirty="0">
-                <a:latin typeface="Arial"/>
-              </a:rPr>
-              <a:t> → What is the mean value of X?</a:t>
-            </a:r>
+            <a:endParaRPr lang="en-US" sz="1800" b="0" strike="noStrike" spc="-1" dirty="0">
+              <a:latin typeface="Arial"/>
+            </a:endParaRPr>
           </a:p>
           <a:p>
             <a:pPr marL="216000" indent="-216000">
@@ -7070,9 +6773,30 @@
               <a:buFont typeface="Wingdings" charset="2"/>
               <a:buChar char=""/>
             </a:pPr>
-            <a:endParaRPr lang="en-US" sz="1800" b="0" strike="noStrike" spc="-1" dirty="0">
-              <a:latin typeface="Arial"/>
-            </a:endParaRPr>
+            <a:r>
+              <a:rPr lang="en-US" sz="1800" b="1" strike="noStrike" spc="-1" dirty="0">
+                <a:latin typeface="Arial"/>
+              </a:rPr>
+              <a:t> Prediction</a:t>
+            </a:r>
+            <a:r>
+              <a:rPr lang="en-US" sz="1800" b="0" strike="noStrike" spc="-1" dirty="0">
+                <a:latin typeface="Arial"/>
+              </a:rPr>
+              <a:t> is using data to map some features of the world (the inputs) to other features of the world (the outputs). </a:t>
+            </a:r>
+            <a:r>
+              <a:rPr lang="en-US" sz="1800" b="0" strike="noStrike" spc="-1" dirty="0" smtClean="0">
+                <a:latin typeface="Arial"/>
+              </a:rPr>
+              <a:t>                              → </a:t>
+            </a:r>
+            <a:r>
+              <a:rPr lang="en-US" sz="1800" b="0" strike="noStrike" spc="-1" dirty="0">
+                <a:latin typeface="Arial"/>
+              </a:rPr>
+              <a:t>How would seeing X change my belief in Y?</a:t>
+            </a:r>
           </a:p>
           <a:p>
             <a:pPr marL="216000" indent="-216000">
@@ -7082,18 +6806,9 @@
               <a:buFont typeface="Wingdings" charset="2"/>
               <a:buChar char=""/>
             </a:pPr>
-            <a:r>
-              <a:rPr lang="en-US" sz="1800" b="1" strike="noStrike" spc="-1" dirty="0">
-                <a:latin typeface="Arial"/>
-              </a:rPr>
-              <a:t> Prediction</a:t>
-            </a:r>
-            <a:r>
-              <a:rPr lang="en-US" sz="1800" b="0" strike="noStrike" spc="-1" dirty="0">
-                <a:latin typeface="Arial"/>
-              </a:rPr>
-              <a:t> is using data to map some features of the world (the inputs) to other features of the world (the outputs). → How would seeing X change my belief in Y?</a:t>
-            </a:r>
+            <a:endParaRPr lang="en-US" sz="1800" b="0" strike="noStrike" spc="-1" dirty="0">
+              <a:latin typeface="Arial"/>
+            </a:endParaRPr>
           </a:p>
           <a:p>
             <a:pPr marL="216000" indent="-216000">
@@ -7103,9 +6818,81 @@
               <a:buFont typeface="Wingdings" charset="2"/>
               <a:buChar char=""/>
             </a:pPr>
+            <a:r>
+              <a:rPr lang="en-US" sz="1800" b="0" strike="noStrike" spc="-1" dirty="0">
+                <a:latin typeface="Arial"/>
+              </a:rPr>
+              <a:t> </a:t>
+            </a:r>
+            <a:r>
+              <a:rPr lang="en-US" sz="1800" b="1" strike="noStrike" spc="-1" dirty="0">
+                <a:latin typeface="Arial"/>
+              </a:rPr>
+              <a:t>Causation: </a:t>
+            </a:r>
+            <a:r>
+              <a:rPr lang="en-US" sz="1800" b="0" strike="noStrike" spc="-1" dirty="0">
+                <a:latin typeface="Arial"/>
+              </a:rPr>
+              <a:t>Measuring the causal influence of a variable X in another variable Y, while excluding any influences on Y not actually due to the causal effect of X, and being able to guess what the effect will be if one performs an action</a:t>
+            </a:r>
+            <a:r>
+              <a:rPr lang="en-US" sz="1800" b="0" strike="noStrike" spc="-1" dirty="0" smtClean="0">
+                <a:latin typeface="Arial"/>
+              </a:rPr>
+              <a:t>.      </a:t>
+            </a:r>
+            <a:r>
+              <a:rPr lang="en-US" sz="1800" b="0" strike="noStrike" spc="-1" dirty="0">
+                <a:latin typeface="Arial"/>
+              </a:rPr>
+              <a:t>→How would my expected lifespan change if I </a:t>
+            </a:r>
+            <a:r>
+              <a:rPr lang="en-US" sz="1800" b="0" strike="noStrike" spc="-1" dirty="0" smtClean="0">
+                <a:latin typeface="Arial"/>
+              </a:rPr>
+              <a:t>quit smoking?</a:t>
+            </a:r>
             <a:endParaRPr lang="en-US" sz="1800" b="0" strike="noStrike" spc="-1" dirty="0">
               <a:latin typeface="Arial"/>
             </a:endParaRPr>
+          </a:p>
+          <a:p>
+            <a:pPr marL="2160000" lvl="0" indent="-216000">
+              <a:buClr>
+                <a:srgbClr val="000000"/>
+              </a:buClr>
+              <a:buFont typeface="Wingdings" charset="2"/>
+              <a:buChar char=""/>
+            </a:pPr>
+            <a:r>
+              <a:rPr lang="en-US" sz="1800" b="0" strike="noStrike" spc="-1" dirty="0">
+                <a:solidFill>
+                  <a:srgbClr val="C9211E"/>
+                </a:solidFill>
+                <a:latin typeface="Arial"/>
+              </a:rPr>
+              <a:t>Correlation is not the same as causation!! </a:t>
+            </a:r>
+            <a:endParaRPr lang="en-US" sz="1800" b="0" strike="noStrike" spc="-1" dirty="0">
+              <a:latin typeface="Arial"/>
+            </a:endParaRPr>
+          </a:p>
+          <a:p>
+            <a:pPr marL="2160000" lvl="0" indent="-216000">
+              <a:buClr>
+                <a:srgbClr val="000000"/>
+              </a:buClr>
+              <a:buFont typeface="Wingdings" charset="2"/>
+              <a:buChar char=""/>
+            </a:pPr>
+            <a:r>
+              <a:rPr lang="en-US" sz="1800" b="0" strike="noStrike" spc="-1" dirty="0">
+                <a:latin typeface="Arial"/>
+              </a:rPr>
+              <a:t>https://www.bbc.com/news/magazine-27537142</a:t>
+            </a:r>
           </a:p>
           <a:p>
             <a:pPr marL="216000" indent="-216000">
@@ -7115,60 +6902,9 @@
               <a:buFont typeface="Wingdings" charset="2"/>
               <a:buChar char=""/>
             </a:pPr>
-            <a:r>
-              <a:rPr lang="en-US" sz="1800" b="0" strike="noStrike" spc="-1" dirty="0">
-                <a:latin typeface="Arial"/>
-              </a:rPr>
-              <a:t> </a:t>
-            </a:r>
-            <a:r>
-              <a:rPr lang="en-US" sz="1800" b="1" strike="noStrike" spc="-1" dirty="0">
-                <a:latin typeface="Arial"/>
-              </a:rPr>
-              <a:t>Causation: </a:t>
-            </a:r>
-            <a:r>
-              <a:rPr lang="en-US" sz="1800" b="0" strike="noStrike" spc="-1" dirty="0">
-                <a:latin typeface="Arial"/>
-              </a:rPr>
-              <a:t>Measuring the causal influence of a variable X in another variable Y, while excluding any influences on Y not actually due to the causal effect of X, and being able to guess what the effect will be if one performs an action. →How would my expected lifespan change if I become a vegetarian?</a:t>
-            </a:r>
-          </a:p>
-          <a:p>
-            <a:pPr marL="2160000" lvl="0" indent="-216000">
-              <a:buClr>
-                <a:srgbClr val="000000"/>
-              </a:buClr>
-              <a:buFont typeface="Wingdings" charset="2"/>
-              <a:buChar char=""/>
-            </a:pPr>
-            <a:r>
-              <a:rPr lang="en-US" sz="1800" b="0" strike="noStrike" spc="-1" dirty="0">
-                <a:solidFill>
-                  <a:srgbClr val="C9211E"/>
-                </a:solidFill>
-                <a:latin typeface="Arial"/>
-              </a:rPr>
-              <a:t>Correlation is not the same as causation!! </a:t>
-            </a:r>
             <a:endParaRPr lang="en-US" sz="1800" b="0" strike="noStrike" spc="-1" dirty="0">
               <a:latin typeface="Arial"/>
             </a:endParaRPr>
-          </a:p>
-          <a:p>
-            <a:pPr marL="2160000" lvl="0" indent="-216000">
-              <a:buClr>
-                <a:srgbClr val="000000"/>
-              </a:buClr>
-              <a:buFont typeface="Wingdings" charset="2"/>
-              <a:buChar char=""/>
-            </a:pPr>
-            <a:r>
-              <a:rPr lang="en-US" sz="1800" b="0" strike="noStrike" spc="-1" dirty="0">
-                <a:latin typeface="Arial"/>
-              </a:rPr>
-              <a:t>https://www.bbc.com/news/magazine-27537142</a:t>
-            </a:r>
           </a:p>
           <a:p>
             <a:pPr marL="216000" indent="-216000">
@@ -7178,44 +6914,48 @@
               <a:buFont typeface="Wingdings" charset="2"/>
               <a:buChar char=""/>
             </a:pPr>
-            <a:endParaRPr lang="en-US" sz="1800" b="0" strike="noStrike" spc="-1" dirty="0">
-              <a:latin typeface="Arial"/>
-            </a:endParaRPr>
-          </a:p>
-          <a:p>
-            <a:pPr marL="216000" indent="-216000">
+            <a:r>
+              <a:rPr lang="en-US" sz="1800" b="1" strike="noStrike" spc="-1" dirty="0">
+                <a:latin typeface="Arial"/>
+              </a:rPr>
+              <a:t>Counterfactual:</a:t>
+            </a:r>
+            <a:r>
+              <a:rPr lang="en-US" sz="1800" b="0" strike="noStrike" spc="-1" dirty="0">
+                <a:latin typeface="Arial"/>
+              </a:rPr>
+              <a:t> Being able to reason about hypothetical situations, things that could happen.</a:t>
+            </a:r>
+          </a:p>
+          <a:p>
+            <a:pPr>
               <a:buClr>
                 <a:srgbClr val="000000"/>
               </a:buClr>
-              <a:buFont typeface="Wingdings" charset="2"/>
-              <a:buChar char=""/>
-            </a:pPr>
-            <a:r>
-              <a:rPr lang="en-US" sz="1800" b="1" strike="noStrike" spc="-1" dirty="0">
-                <a:latin typeface="Arial"/>
-              </a:rPr>
-              <a:t>Counterfactual:</a:t>
+            </a:pPr>
+            <a:r>
+              <a:rPr lang="en-US" spc="-1" dirty="0">
+                <a:latin typeface="Arial"/>
+              </a:rPr>
+              <a:t> </a:t>
+            </a:r>
+            <a:r>
+              <a:rPr lang="en-US" spc="-1" dirty="0" smtClean="0">
+                <a:latin typeface="Arial"/>
+              </a:rPr>
+              <a:t>                                             </a:t>
+            </a:r>
+            <a:r>
+              <a:rPr lang="en-US" sz="1800" b="0" strike="noStrike" spc="-1" dirty="0" smtClean="0">
+                <a:latin typeface="Arial"/>
+              </a:rPr>
+              <a:t>→ </a:t>
             </a:r>
             <a:r>
               <a:rPr lang="en-US" sz="1800" b="0" strike="noStrike" spc="-1" dirty="0">
                 <a:latin typeface="Arial"/>
               </a:rPr>
-              <a:t> Being able to reason about hypothetical situations, things that could happen.</a:t>
-            </a:r>
-          </a:p>
-          <a:p>
-            <a:pPr marL="216000" indent="-216000">
-              <a:buClr>
-                <a:srgbClr val="000000"/>
-              </a:buClr>
-              <a:buFont typeface="Wingdings" charset="2"/>
-              <a:buChar char=""/>
-            </a:pPr>
-            <a:r>
-              <a:rPr lang="en-US" sz="1800" b="0" strike="noStrike" spc="-1" dirty="0">
-                <a:latin typeface="Arial"/>
-              </a:rPr>
-              <a:t> → Would my grandfather still be alive if he had not smoked?</a:t>
+              <a:t>Would my grandfather still be alive if he had not smoked?</a:t>
             </a:r>
           </a:p>
         </p:txBody>
@@ -7229,10 +6969,17 @@
     <mc:Choice Requires="p14">
       <p:transition spd="slow" p14:dur="2000"/>
     </mc:Choice>
-    <mc:Fallback xmlns:p15="http://schemas.microsoft.com/office/powerpoint/2012/main" xmlns="">
+    <mc:Fallback xmlns="" xmlns:p15="http://schemas.microsoft.com/office/powerpoint/2012/main">
       <p:transition spd="slow"/>
     </mc:Fallback>
   </mc:AlternateContent>
+  <p:timing>
+    <p:tnLst>
+      <p:par>
+        <p:cTn id="1" dur="indefinite" restart="never" nodeType="tmRoot"/>
+      </p:par>
+    </p:tnLst>
+  </p:timing>
 </p:sld>
 </file>
 
@@ -7381,10 +7128,17 @@
     <mc:Choice Requires="p14">
       <p:transition spd="slow" p14:dur="2000"/>
     </mc:Choice>
-    <mc:Fallback xmlns:p15="http://schemas.microsoft.com/office/powerpoint/2012/main" xmlns="">
+    <mc:Fallback xmlns="" xmlns:p15="http://schemas.microsoft.com/office/powerpoint/2012/main">
       <p:transition spd="slow"/>
     </mc:Fallback>
   </mc:AlternateContent>
+  <p:timing>
+    <p:tnLst>
+      <p:par>
+        <p:cTn id="1" dur="indefinite" restart="never" nodeType="tmRoot"/>
+      </p:par>
+    </p:tnLst>
+  </p:timing>
 </p:sld>
 </file>
 
@@ -7533,10 +7287,17 @@
     <mc:Choice Requires="p14">
       <p:transition spd="slow" p14:dur="2000"/>
     </mc:Choice>
-    <mc:Fallback xmlns:p15="http://schemas.microsoft.com/office/powerpoint/2012/main" xmlns="">
+    <mc:Fallback xmlns="" xmlns:p15="http://schemas.microsoft.com/office/powerpoint/2012/main">
       <p:transition spd="slow"/>
     </mc:Fallback>
   </mc:AlternateContent>
+  <p:timing>
+    <p:tnLst>
+      <p:par>
+        <p:cTn id="1" dur="indefinite" restart="never" nodeType="tmRoot"/>
+      </p:par>
+    </p:tnLst>
+  </p:timing>
 </p:sld>
 </file>
 
@@ -7764,10 +7525,17 @@
     <mc:Choice Requires="p14">
       <p:transition spd="slow" p14:dur="2000"/>
     </mc:Choice>
-    <mc:Fallback xmlns:p15="http://schemas.microsoft.com/office/powerpoint/2012/main" xmlns="">
+    <mc:Fallback xmlns="" xmlns:p15="http://schemas.microsoft.com/office/powerpoint/2012/main">
       <p:transition spd="slow"/>
     </mc:Fallback>
   </mc:AlternateContent>
+  <p:timing>
+    <p:tnLst>
+      <p:par>
+        <p:cTn id="1" dur="indefinite" restart="never" nodeType="tmRoot"/>
+      </p:par>
+    </p:tnLst>
+  </p:timing>
 </p:sld>
 </file>
 
@@ -8029,10 +7797,17 @@
     <mc:Choice Requires="p14">
       <p:transition spd="slow" p14:dur="2000"/>
     </mc:Choice>
-    <mc:Fallback xmlns:p15="http://schemas.microsoft.com/office/powerpoint/2012/main" xmlns="">
+    <mc:Fallback xmlns="" xmlns:p15="http://schemas.microsoft.com/office/powerpoint/2012/main">
       <p:transition spd="slow"/>
     </mc:Fallback>
   </mc:AlternateContent>
+  <p:timing>
+    <p:tnLst>
+      <p:par>
+        <p:cTn id="1" dur="indefinite" restart="never" nodeType="tmRoot"/>
+      </p:par>
+    </p:tnLst>
+  </p:timing>
 </p:sld>
 </file>
 
